--- a/Document/이미지정리.pptx
+++ b/Document/이미지정리.pptx
@@ -104,6 +104,11 @@
       </a:defRPr>
     </a:lvl9pPr>
   </p:defaultTextStyle>
+  <p:extLst>
+    <p:ext uri="{EFAFB233-063F-42B5-8137-9DF3F51BA10A}">
+      <p15:sldGuideLst xmlns:p15="http://schemas.microsoft.com/office/powerpoint/2012/main"/>
+    </p:ext>
+  </p:extLst>
 </p:presentation>
 </file>
 
@@ -3348,7 +3353,7 @@
         </p:blipFill>
         <p:spPr bwMode="auto">
           <a:xfrm>
-            <a:off x="949960" y="416561"/>
+            <a:off x="1213077" y="1087121"/>
             <a:ext cx="680722" cy="670560"/>
           </a:xfrm>
           <a:prstGeom prst="rect">
@@ -3393,7 +3398,7 @@
         </p:blipFill>
         <p:spPr bwMode="auto">
           <a:xfrm>
-            <a:off x="2395148" y="488222"/>
+            <a:off x="3953963" y="1184184"/>
             <a:ext cx="624845" cy="598899"/>
           </a:xfrm>
           <a:prstGeom prst="rect">
@@ -3462,7 +3467,7 @@
         </p:blipFill>
         <p:spPr bwMode="auto">
           <a:xfrm>
-            <a:off x="1691494" y="391159"/>
+            <a:off x="2583520" y="1087121"/>
             <a:ext cx="680722" cy="695962"/>
           </a:xfrm>
           <a:prstGeom prst="rect">
@@ -3507,8 +3512,8 @@
         </p:blipFill>
         <p:spPr bwMode="auto">
           <a:xfrm>
-            <a:off x="1045528" y="1255230"/>
-            <a:ext cx="489585" cy="571404"/>
+            <a:off x="1045528" y="2277784"/>
+            <a:ext cx="1015820" cy="1185583"/>
           </a:xfrm>
           <a:prstGeom prst="rect">
             <a:avLst/>
@@ -3552,8 +3557,8 @@
         </p:blipFill>
         <p:spPr bwMode="auto">
           <a:xfrm>
-            <a:off x="2468378" y="1207451"/>
-            <a:ext cx="478383" cy="619183"/>
+            <a:off x="3786414" y="2178650"/>
+            <a:ext cx="992577" cy="1284717"/>
           </a:xfrm>
           <a:prstGeom prst="rect">
             <a:avLst/>
@@ -3597,8 +3602,8 @@
         </p:blipFill>
         <p:spPr bwMode="auto">
           <a:xfrm flipH="1">
-            <a:off x="1746942" y="1255230"/>
-            <a:ext cx="569825" cy="551120"/>
+            <a:off x="2332728" y="2285504"/>
+            <a:ext cx="1182306" cy="1143496"/>
           </a:xfrm>
           <a:prstGeom prst="rect">
             <a:avLst/>
@@ -3613,6 +3618,36 @@
               </a14:hiddenFill>
             </a:ext>
           </a:extLst>
+        </p:spPr>
+      </p:pic>
+      <p:pic>
+        <p:nvPicPr>
+          <p:cNvPr id="3" name="그림 2">
+            <a:extLst>
+              <a:ext uri="{FF2B5EF4-FFF2-40B4-BE49-F238E27FC236}">
+                <a16:creationId xmlns:a16="http://schemas.microsoft.com/office/drawing/2014/main" id="{21EEEB9E-3659-110E-D219-812D0DCF32B2}"/>
+              </a:ext>
+            </a:extLst>
+          </p:cNvPr>
+          <p:cNvPicPr>
+            <a:picLocks noChangeAspect="1"/>
+          </p:cNvPicPr>
+          <p:nvPr/>
+        </p:nvPicPr>
+        <p:blipFill>
+          <a:blip r:embed="rId7"/>
+          <a:stretch>
+            <a:fillRect/>
+          </a:stretch>
+        </p:blipFill>
+        <p:spPr>
+          <a:xfrm>
+            <a:off x="6232422" y="654240"/>
+            <a:ext cx="4573229" cy="3048819"/>
+          </a:xfrm>
+          <a:prstGeom prst="rect">
+            <a:avLst/>
+          </a:prstGeom>
         </p:spPr>
       </p:pic>
     </p:spTree>
